--- a/doc/2019-inu-취업대비 코딩 테스트 실습-01.pptx
+++ b/doc/2019-inu-취업대비 코딩 테스트 실습-01.pptx
@@ -49,12 +49,12 @@
   <p:notesSz cx="6797675" cy="9926638"/>
   <p:embeddedFontLst>
     <p:embeddedFont>
-      <p:font typeface="나눔고딕" panose="020D0604000000000000" pitchFamily="50" charset="-127"/>
+      <p:font typeface="맑은 고딕" panose="020B0503020000020004" pitchFamily="50" charset="-127"/>
       <p:regular r:id="rId37"/>
       <p:bold r:id="rId38"/>
     </p:embeddedFont>
     <p:embeddedFont>
-      <p:font typeface="맑은 고딕" panose="020B0503020000020004" pitchFamily="50" charset="-127"/>
+      <p:font typeface="나눔고딕" panose="020D0604000000000000" pitchFamily="50" charset="-127"/>
       <p:regular r:id="rId39"/>
       <p:bold r:id="rId40"/>
     </p:embeddedFont>
@@ -340,7 +340,7 @@
             <a:fld id="{207F23D9-DF40-4811-9C78-A2E2A32398DD}" type="datetimeFigureOut">
               <a:rPr lang="ko-KR" altLang="en-US" smtClean="0"/>
               <a:pPr/>
-              <a:t>2019-07-01</a:t>
+              <a:t>2019-07-02</a:t>
             </a:fld>
             <a:endParaRPr lang="ko-KR" altLang="en-US"/>
           </a:p>
@@ -507,7 +507,7 @@
             <a:fld id="{F3AF6795-A612-454E-AF7A-9192B1BEBB13}" type="datetimeFigureOut">
               <a:rPr lang="ko-KR" altLang="en-US" smtClean="0"/>
               <a:pPr/>
-              <a:t>2019-07-01</a:t>
+              <a:t>2019-07-02</a:t>
             </a:fld>
             <a:endParaRPr lang="ko-KR" altLang="en-US"/>
           </a:p>
@@ -3931,7 +3931,7 @@
             <a:fld id="{8761FD00-3F21-42CF-9EF5-8F6D81CE3AFD}" type="datetimeFigureOut">
               <a:rPr lang="ko-KR" altLang="en-US" smtClean="0"/>
               <a:pPr/>
-              <a:t>2019-07-01</a:t>
+              <a:t>2019-07-02</a:t>
             </a:fld>
             <a:endParaRPr lang="ko-KR" altLang="en-US"/>
           </a:p>
@@ -4677,7 +4677,7 @@
             <a:fld id="{8761FD00-3F21-42CF-9EF5-8F6D81CE3AFD}" type="datetimeFigureOut">
               <a:rPr lang="ko-KR" altLang="en-US" smtClean="0"/>
               <a:pPr/>
-              <a:t>2019-07-01</a:t>
+              <a:t>2019-07-02</a:t>
             </a:fld>
             <a:endParaRPr lang="ko-KR" altLang="en-US"/>
           </a:p>
@@ -4990,7 +4990,7 @@
             <a:fld id="{8761FD00-3F21-42CF-9EF5-8F6D81CE3AFD}" type="datetimeFigureOut">
               <a:rPr lang="ko-KR" altLang="en-US" smtClean="0"/>
               <a:pPr/>
-              <a:t>2019-07-01</a:t>
+              <a:t>2019-07-02</a:t>
             </a:fld>
             <a:endParaRPr lang="ko-KR" altLang="en-US"/>
           </a:p>
@@ -5245,7 +5245,7 @@
             <a:fld id="{8761FD00-3F21-42CF-9EF5-8F6D81CE3AFD}" type="datetimeFigureOut">
               <a:rPr lang="ko-KR" altLang="en-US" smtClean="0"/>
               <a:pPr/>
-              <a:t>2019-07-01</a:t>
+              <a:t>2019-07-02</a:t>
             </a:fld>
             <a:endParaRPr lang="ko-KR" altLang="en-US"/>
           </a:p>
@@ -5471,7 +5471,7 @@
             <a:fld id="{8761FD00-3F21-42CF-9EF5-8F6D81CE3AFD}" type="datetimeFigureOut">
               <a:rPr lang="ko-KR" altLang="en-US" smtClean="0"/>
               <a:pPr/>
-              <a:t>2019-07-01</a:t>
+              <a:t>2019-07-02</a:t>
             </a:fld>
             <a:endParaRPr lang="ko-KR" altLang="en-US"/>
           </a:p>
@@ -5697,7 +5697,7 @@
             <a:fld id="{8761FD00-3F21-42CF-9EF5-8F6D81CE3AFD}" type="datetimeFigureOut">
               <a:rPr lang="ko-KR" altLang="en-US" smtClean="0"/>
               <a:pPr/>
-              <a:t>2019-07-01</a:t>
+              <a:t>2019-07-02</a:t>
             </a:fld>
             <a:endParaRPr lang="ko-KR" altLang="en-US"/>
           </a:p>
@@ -6159,7 +6159,11 @@
             </a:r>
             <a:r>
               <a:rPr lang="ko-KR" altLang="en-US" sz="2800" dirty="0" smtClean="0"/>
-              <a:t>실습</a:t>
+              <a:t>실습 </a:t>
+            </a:r>
+            <a:r>
+              <a:rPr lang="en-US" altLang="ko-KR" sz="2800" smtClean="0"/>
+              <a:t>#1</a:t>
             </a:r>
             <a:r>
               <a:rPr lang="ko-KR" altLang="en-US" sz="1600" dirty="0"/>
